--- a/ppt/詐騙犯罪進年趨勢分析.pptx
+++ b/ppt/詐騙犯罪進年趨勢分析.pptx
@@ -217,6 +217,9 @@
           </p14:sldIdLst>
         </p14:section>
       </p14:sectionLst>
+    </p:ext>
+    <p:ext uri="{EFAFB233-063F-42B5-8137-9DF3F51BA10A}">
+      <p15:sldGuideLst xmlns:p15="http://schemas.microsoft.com/office/powerpoint/2012/main"/>
     </p:ext>
   </p:extLst>
 </p:presentation>
@@ -6256,16 +6259,85 @@
           <a:bodyPr/>
           <a:lstStyle/>
           <a:p>
-            <a:endParaRPr lang="zh-TW" altLang="en-US"/>
-          </a:p>
-        </p:txBody>
-      </p:sp>
-      <p:sp>
-        <p:nvSpPr>
-          <p:cNvPr id="3" name="內容版面配置區 2">
-            <a:extLst>
-              <a:ext uri="{FF2B5EF4-FFF2-40B4-BE49-F238E27FC236}">
-                <a16:creationId xmlns:a16="http://schemas.microsoft.com/office/drawing/2014/main" id="{54FE3C95-B3EF-92DB-85F8-2E05CB07CFE5}"/>
+            <a:r>
+              <a:rPr lang="zh-TW" altLang="en-US"/>
+              <a:t>詐欺 依據 年度</a:t>
+            </a:r>
+          </a:p>
+        </p:txBody>
+      </p:sp>
+      <mc:AlternateContent xmlns:mc="http://schemas.openxmlformats.org/markup-compatibility/2006">
+        <mc:Choice xmlns:we="http://schemas.microsoft.com/office/webextensions/webextension/2010/11" xmlns:pca="http://schemas.microsoft.com/office/powerpoint/2013/contentapp" Requires="we pca">
+          <p:graphicFrame>
+            <p:nvGraphicFramePr>
+              <p:cNvPr id="6" name="增益集 5" title="Microsoft Power BI">
+                <a:extLst>
+                  <a:ext uri="{FF2B5EF4-FFF2-40B4-BE49-F238E27FC236}">
+                    <a16:creationId xmlns:a16="http://schemas.microsoft.com/office/drawing/2014/main" id="{6D750999-6D57-3774-3632-976A4934FFDC}"/>
+                  </a:ext>
+                </a:extLst>
+              </p:cNvPr>
+              <p:cNvGraphicFramePr>
+                <a:graphicFrameLocks noGrp="1"/>
+              </p:cNvGraphicFramePr>
+              <p:nvPr>
+                <p:extLst>
+                  <p:ext uri="{D42A27DB-BD31-4B8C-83A1-F6EECF244321}">
+                    <p14:modId xmlns:p14="http://schemas.microsoft.com/office/powerpoint/2010/main" val="1437285639"/>
+                  </p:ext>
+                </p:extLst>
+              </p:nvPr>
+            </p:nvGraphicFramePr>
+            <p:xfrm>
+              <a:off x="1798363" y="681037"/>
+              <a:ext cx="9144000" cy="5429250"/>
+            </p:xfrm>
+            <a:graphic>
+              <a:graphicData uri="http://schemas.microsoft.com/office/webextensions/webextension/2010/11">
+                <we:webextensionref xmlns:we="http://schemas.microsoft.com/office/webextensions/webextension/2010/11" xmlns:r="http://schemas.openxmlformats.org/officeDocument/2006/relationships" r:id="rId2"/>
+              </a:graphicData>
+            </a:graphic>
+          </p:graphicFrame>
+        </mc:Choice>
+        <mc:Fallback>
+          <p:pic>
+            <p:nvPicPr>
+              <p:cNvPr id="6" name="增益集 5" title="Microsoft Power BI">
+                <a:extLst>
+                  <a:ext uri="{FF2B5EF4-FFF2-40B4-BE49-F238E27FC236}">
+                    <a16:creationId xmlns:a16="http://schemas.microsoft.com/office/drawing/2014/main" id="{6D750999-6D57-3774-3632-976A4934FFDC}"/>
+                  </a:ext>
+                </a:extLst>
+              </p:cNvPr>
+              <p:cNvPicPr>
+                <a:picLocks noGrp="1" noRot="1" noChangeAspect="1" noMove="1" noResize="1" noEditPoints="1" noAdjustHandles="1" noChangeArrowheads="1" noChangeShapeType="1"/>
+              </p:cNvPicPr>
+              <p:nvPr/>
+            </p:nvPicPr>
+            <p:blipFill>
+              <a:blip r:embed="rId3"/>
+              <a:stretch>
+                <a:fillRect/>
+              </a:stretch>
+            </p:blipFill>
+            <p:spPr>
+              <a:xfrm>
+                <a:off x="1798363" y="681037"/>
+                <a:ext cx="9144000" cy="5429250"/>
+              </a:xfrm>
+              <a:prstGeom prst="rect">
+                <a:avLst/>
+              </a:prstGeom>
+            </p:spPr>
+          </p:pic>
+        </mc:Fallback>
+      </mc:AlternateContent>
+      <p:sp>
+        <p:nvSpPr>
+          <p:cNvPr id="4" name="內容版面配置區 3">
+            <a:extLst>
+              <a:ext uri="{FF2B5EF4-FFF2-40B4-BE49-F238E27FC236}">
+                <a16:creationId xmlns:a16="http://schemas.microsoft.com/office/drawing/2014/main" id="{D1DDC73A-6BC9-A14F-67F9-61767A30D6C2}"/>
               </a:ext>
             </a:extLst>
           </p:cNvPr>
@@ -6281,7 +6353,7 @@
           <a:bodyPr/>
           <a:lstStyle/>
           <a:p>
-            <a:endParaRPr lang="zh-TW" altLang="en-US"/>
+            <a:endParaRPr lang="zh-TW" altLang="en-US" dirty="0"/>
           </a:p>
         </p:txBody>
       </p:sp>
@@ -6361,10 +6433,76 @@
           <a:bodyPr/>
           <a:lstStyle/>
           <a:p>
-            <a:endParaRPr lang="zh-TW" altLang="en-US"/>
-          </a:p>
-        </p:txBody>
-      </p:sp>
+            <a:endParaRPr lang="zh-TW" altLang="en-US" dirty="0"/>
+          </a:p>
+        </p:txBody>
+      </p:sp>
+      <mc:AlternateContent xmlns:mc="http://schemas.openxmlformats.org/markup-compatibility/2006">
+        <mc:Choice xmlns:we="http://schemas.microsoft.com/office/webextensions/webextension/2010/11" xmlns:pca="http://schemas.microsoft.com/office/powerpoint/2013/contentapp" Requires="we pca">
+          <p:graphicFrame>
+            <p:nvGraphicFramePr>
+              <p:cNvPr id="9" name="內容版面配置區 8" title="Microsoft Power BI">
+                <a:extLst>
+                  <a:ext uri="{FF2B5EF4-FFF2-40B4-BE49-F238E27FC236}">
+                    <a16:creationId xmlns:a16="http://schemas.microsoft.com/office/drawing/2014/main" id="{5BEB588A-CBFC-8FD6-DC22-F5EB086639D0}"/>
+                  </a:ext>
+                </a:extLst>
+              </p:cNvPr>
+              <p:cNvGraphicFramePr>
+                <a:graphicFrameLocks noGrp="1"/>
+              </p:cNvGraphicFramePr>
+              <p:nvPr>
+                <p:extLst>
+                  <p:ext uri="{D42A27DB-BD31-4B8C-83A1-F6EECF244321}">
+                    <p14:modId xmlns:p14="http://schemas.microsoft.com/office/powerpoint/2010/main" val="4289761904"/>
+                  </p:ext>
+                </p:extLst>
+              </p:nvPr>
+            </p:nvGraphicFramePr>
+            <p:xfrm>
+              <a:off x="838200" y="1825625"/>
+              <a:ext cx="10515600" cy="4351338"/>
+            </p:xfrm>
+            <a:graphic>
+              <a:graphicData uri="http://schemas.microsoft.com/office/webextensions/webextension/2010/11">
+                <we:webextensionref xmlns:we="http://schemas.microsoft.com/office/webextensions/webextension/2010/11" xmlns:r="http://schemas.openxmlformats.org/officeDocument/2006/relationships" r:id="rId2"/>
+              </a:graphicData>
+            </a:graphic>
+          </p:graphicFrame>
+        </mc:Choice>
+        <mc:Fallback>
+          <p:pic>
+            <p:nvPicPr>
+              <p:cNvPr id="9" name="內容版面配置區 8" title="Microsoft Power BI">
+                <a:extLst>
+                  <a:ext uri="{FF2B5EF4-FFF2-40B4-BE49-F238E27FC236}">
+                    <a16:creationId xmlns:a16="http://schemas.microsoft.com/office/drawing/2014/main" id="{5BEB588A-CBFC-8FD6-DC22-F5EB086639D0}"/>
+                  </a:ext>
+                </a:extLst>
+              </p:cNvPr>
+              <p:cNvPicPr>
+                <a:picLocks noGrp="1" noRot="1" noChangeAspect="1" noMove="1" noResize="1" noEditPoints="1" noAdjustHandles="1" noChangeArrowheads="1" noChangeShapeType="1"/>
+              </p:cNvPicPr>
+              <p:nvPr/>
+            </p:nvPicPr>
+            <p:blipFill>
+              <a:blip r:embed="rId3"/>
+              <a:stretch>
+                <a:fillRect/>
+              </a:stretch>
+            </p:blipFill>
+            <p:spPr>
+              <a:xfrm>
+                <a:off x="838200" y="1825625"/>
+                <a:ext cx="10515600" cy="4351338"/>
+              </a:xfrm>
+              <a:prstGeom prst="rect">
+                <a:avLst/>
+              </a:prstGeom>
+            </p:spPr>
+          </p:pic>
+        </mc:Fallback>
+      </mc:AlternateContent>
     </p:spTree>
     <p:extLst>
       <p:ext uri="{BB962C8B-B14F-4D97-AF65-F5344CB8AC3E}">
@@ -7015,4 +7153,66 @@
     </a:ext>
   </a:extLst>
 </a:theme>
+</file>
+
+<file path=ppt/webextensions/webextension1.xml><?xml version="1.0" encoding="utf-8"?>
+<we:webextension xmlns:we="http://schemas.microsoft.com/office/webextensions/webextension/2010/11" id="{EA7684F0-ED48-4BF6-BAE5-870874822F60}">
+  <we:reference id="wa200003233" version="2.0.0.3" store="zh-TW" storeType="OMEX"/>
+  <we:alternateReferences>
+    <we:reference id="WA200003233" version="2.0.0.3" store="WA200003233" storeType="OMEX"/>
+  </we:alternateReferences>
+  <we:properties>
+    <we:property name="artifactName" value="&quot;詐欺 依據 年度&quot;"/>
+    <we:property name="artifactViewState" value="&quot;live&quot;"/>
+    <we:property name="backgroundColor" value="&quot;#FFF&quot;"/>
+    <we:property name="bookmark" value="&quot;H4sIAAAAAAAAA+1WTW/TQBD9K2gvvUQojtPU6S0J4VL6oQb1gqJo4x07W21sa70ODZWlXhA99oSEOIEKCIEQVUEqlfpvSBr+BbPrQGlJlUKpChI+ed+OZ9+8mZ3xJmE8jgTtL9EukHkyfHpwvLd7wyI5EmRIdXl5YbGyutBaqizWEQ4jxcMgJvObRFHpg1rjcUKF/h7Be80coUKsUF+vPCpiyJEIZBwGVPAHkBnjlpIJpDkCG5EIJdUuG4oq0G57aI5rPNu6aeOJ1FW8Bw1wVYbm8yWw85SW2NwcgxItl8sMzeLMwDCbaKJdm+NrYaAoD/AYjZWhxNis45RKlMJcuWhDsaRxjws1Nmn36xuRxOgw5n6kVakhVz+U3KWCmCgkxBnpTVILRdI1b/VTeCNMpAur4JmtQHHVR0/HB0et0fM3g3f7o62Hg53tz0cfR/uPho+ftKx8YbD93rKKLbQZY4nyHJKicCsyRFmNh+HWq8H2C4N2wvs1CcgNo82nTURiHvhiLPuJAnezKGLBXZA6qe11VM/E2gVMqn5hVFETcpQdxSHbD5nZBqPIJrnDUaXM9xoViXY7U6Uxd2eQET5NzStLIXJe/yFJxjw2R1ybZFqi8Q04CY50OGMQaP454sza4Lhe3rFou+wVPKuYsflnymPw6cOXo2eDvd3/FfKbqk0vEpcyxwE2W3QKYLdt2ys4xalFUmE9GrjAfqqQiuSq0wXFXSMfeMqgvi/Bp2psVL9EUVUvLs5ZXSqt0eud4dtDg99OgnFTzuvlKvc7hmrDRXtW72VJP83o7w/DsNejTC+W8QuqQkycffb6WGluei6voW4Hhy8nXPULcP2Dqbl8IOfn5xdbmCuSGC8hsCyCWodKdaqhoYNQMpDVvrmdt7j89qtRyF1d8V6dQmnznHY6nkr962qoWWE2TdNPJ4+UMFFxRF1YoQFMGC1YrzRgwKaMF/PfmXVmLAXeFtPmkf4b/T6M0vQrt+yf/BYLAAA=&quot;"/>
+    <we:property name="creatorSessionId" value="&quot;348aeb46-c144-49ed-9477-02c8d1414e1f&quot;"/>
+    <we:property name="creatorTenantId" value="&quot;2fcf12a5-b887-4616-bcf9-e322352b0d5d&quot;"/>
+    <we:property name="creatorUserId" value="&quot;10032004F0A7CBC5&quot;"/>
+    <we:property name="datasetId" value="&quot;ac92d5d0-bd97-459e-8348-eec92c0da87f&quot;"/>
+    <we:property name="embedUrl" value="&quot;/reportEmbed?reportId=6d86a613-3ed1-412a-8315-523799714fe5&amp;groupId=61dd9f1c-362c-45c3-8aea-4fbd7b52b88b&amp;w=2&amp;config=eyJjbHVzdGVyVXJsIjoiaHR0cHM6Ly9XQUJJLVRBSVdBTi1OT1JUSC1BLVBSSU1BUlktcmVkaXJlY3QuYW5hbHlzaXMud2luZG93cy5uZXQiLCJlbWJlZEZlYXR1cmVzIjp7InVzYWdlTWV0cmljc1ZOZXh0Ijp0cnVlfX0%3D&amp;disableSensitivityBanner=true&amp;storytellingAnnotations=true&amp;storytellingChangeViewModeShortcutKeys=true&quot;"/>
+    <we:property name="initialStateBookmark" value="&quot;H4sIAAAAAAAAA+1WTW/TQBD9K2gvvUQojtPU6S0J4VL6oQb1gqJo4x07W21sa70ODZWlXhA99oSEOIEKCIEQVUEqlfpvSBr+BbPrQGlJlUKpChI+ed+OZ9+8mZ3xJmE8jgTtL9EukHkyfHpwvLd7wyI5EmRIdXl5YbGyutBaqizWEQ4jxcMgJvObRFHpg1rjcUKF/h7Be80coUKsUF+vPCpiyJEIZBwGVPAHkBnjlpIJpDkCG5EIJdUuG4oq0G57aI5rPNu6aeOJ1FW8Bw1wVYbm8yWw85SW2NwcgxItl8sMzeLMwDCbaKJdm+NrYaAoD/AYjZWhxNis45RKlMJcuWhDsaRxjws1Nmn36xuRxOgw5n6kVakhVz+U3KWCmCgkxBnpTVILRdI1b/VTeCNMpAur4JmtQHHVR0/HB0et0fM3g3f7o62Hg53tz0cfR/uPho+ftKx8YbD93rKKLbQZY4nyHJKicCsyRFmNh+HWq8H2C4N2wvs1CcgNo82nTURiHvhiLPuJAnezKGLBXZA6qe11VM/E2gVMqn5hVFETcpQdxSHbD5nZBqPIJrnDUaXM9xoViXY7U6Uxd2eQET5NzStLIXJe/yFJxjw2R1ybZFqi8Q04CY50OGMQaP454sza4Lhe3rFou+wVPKuYsflnymPw6cOXo2eDvd3/FfKbqk0vEpcyxwE2W3QKYLdt2ys4xalFUmE9GrjAfqqQiuSq0wXFXSMfeMqgvi/Bp2psVL9EUVUvLs5ZXSqt0eud4dtDg99OgnFTzuvlKvc7hmrDRXtW72VJP83o7w/DsNejTC+W8QuqQkycffb6WGluei6voW4Hhy8nXPULcP2Dqbl8IOfn5xdbmCuSGC8hsCyCWodKdaqhoYNQMpDVvrmdt7j89qtRyF1d8V6dQmnznHY6nkr962qoWWE2TdNPJ4+UMFFxRF1YoQFMGC1YrzRgwKaMF/PfmXVmLAXeFtPmkf4b/T6M0vQrt+yf/BYLAAA=&quot;"/>
+    <we:property name="isFiltersActionButtonVisible" value="true"/>
+    <we:property name="isVisualContainerHeaderHidden" value="false"/>
+    <we:property name="numberOfAnnotations" value="0"/>
+    <we:property name="pageDisplayName" value="&quot;年度總分析 &quot;"/>
+    <we:property name="pageName" value="&quot;006e30aa6d77de6a999d&quot;"/>
+    <we:property name="reportEmbeddedTime" value="&quot;2025-07-29T05:37:50.800Z&quot;"/>
+    <we:property name="reportName" value="&quot;被害者資料_102到114&quot;"/>
+    <we:property name="reportState" value="&quot;CONNECTED&quot;"/>
+    <we:property name="reportUrl" value="&quot;/groups/61dd9f1c-362c-45c3-8aea-4fbd7b52b88b/reports/6d86a613-3ed1-412a-8315-523799714fe5/006e30aa6d77de6a999d?ctid=2fcf12a5-b887-4616-bcf9-e322352b0d5d&amp;pbi_source=shareVisual&amp;visual=cad88ed5482e3b33f284&amp;height=586.41&amp;width=604.78&amp;bookmarkGuid=a44a47ad-11e5-4799-bb4b-db3063f02058&quot;"/>
+  </we:properties>
+  <we:bindings/>
+  <we:snapshot xmlns:r="http://schemas.openxmlformats.org/officeDocument/2006/relationships"/>
+</we:webextension>
+</file>
+
+<file path=ppt/webextensions/webextension2.xml><?xml version="1.0" encoding="utf-8"?>
+<we:webextension xmlns:we="http://schemas.microsoft.com/office/webextensions/webextension/2010/11" id="{D801E86D-5414-4A3B-B946-612A53DA5DF2}">
+  <we:reference id="wa200003233" version="2.0.0.3" store="zh-TW" storeType="OMEX"/>
+  <we:alternateReferences>
+    <we:reference id="WA200003233" version="2.0.0.3" store="WA200003233" storeType="OMEX"/>
+  </we:alternateReferences>
+  <we:properties>
+    <we:property name="artifactViewState" value="&quot;live&quot;"/>
+    <we:property name="backgroundColor" value="&quot;#FFFFFF&quot;"/>
+    <we:property name="bookmark" value="&quot;H4sIAAAAAAAAA+1XW2sbRxT+K2Ve0sIStLu6rPJmqw6YJq2JivsQjDnaOStNWO0us7NqVCHIS6lfCnkqlD6lJC0hoTS4BTfgfxM56r/omZld23IVbOMa9fYids6cOZfvXDVhXORZDOOPYYjsFjv67uDtq6fvucxhiaVA5Pn1lteAWsPDVs+NsO7RbZopkSY5uzVhCmQf1bbIC4i1GCLe33EYxPEW9PUpgjhHh2Uo8zSBWHyBlpmulCxw6jB8mMWpBC2yq0ChFjsidjqTCe5NnzRCqMQIuxgqS63VmujXAJq81eLYhHa7zYkttwzGsqUsWrRR30kTBSIhNZrWxibnjSBoNgGw1a77WG9qeiRiVbL0xhsPM0nekc/jTIPTIVv7qRQhxMx4ITG3Rk9YJ42LofnaWKB300KGeA8jc5UoocYk6e3B4e78+xezn/bnj76cPd57c/jrfP+ro2++3XVr3mzvZ9et7xJPSStUFLApAbclU4LVSDh69ONs75mhDtLPOxLJNvK2Nt0hSi6SflzCfoLAp9aLPBYhSh3U3gNCz/g6RAqq/ugjIaQfkdeZ1SYwP0Fm8Wu7CprnsNsyHZpnZW6R+aTjKh47zFpMPjnsswFKNPIpkFyoEt7NM5DnJcsFgmEPpaXvQpc0b0NcmCwnwXeEsvBMLJlYb8ye7d/QnDtT+plOzRsOCpZgOEy5QRlNYi0Xtw65CLVAK66qBDLuwalcPzZqhZmnnXVY0PAxCKNa4EKvHXmRW7ca/zGVNPvtl98Pn8xePf2/mK6nmE4DfIF6enPw9fz5f6ukFhAyVRUCDwLkjXrgod/z/cgL6udW1RofQRIi/1NJrUmhBkNUIjQQYaQMtd+X2Icq+htXqML1iwNw1ve13fnzx0cvXxv67SIpB35NH++J/sCY2g2Jn2+MbGAXLfr7u2Gs12uSPnxCL0ClFDj/bL9xp875sVxBbs5e/7CkN17A1r8wNFd35N3xuWTPD+MipyJEbj3oDECqhQlAAlLJUa6PTXV+KGS1xlJrv7bkvT6EdPtd2jLLMT5eVdO0iWnKakCtIq7aRY5xhTgZpifHXcj0xeU03ixVaCG5ruFNbsMyzECKvApSdfpIJDqBnOMGu8JSPe6cS+ah63p3qmHo0LaioJytrFsM378kRDZnPmA7OknsdDpx9u6x7MmpzrCyGVumi56u4QC5wWNT4dAaJDhqbaLcAf6dAXfYSBPLcqjZy3LrMIvHsj02LVSeQYhbkOCSFYwiCwlHfs4apv/8M6ODuqnoxeetbRV/adwfZPpJPbwQAAA=&quot;"/>
+    <we:property name="creatorSessionId" value="&quot;8be6652b-cd40-4689-8d99-c00a6bdbbbcd&quot;"/>
+    <we:property name="creatorTenantId" value="&quot;2fcf12a5-b887-4616-bcf9-e322352b0d5d&quot;"/>
+    <we:property name="creatorUserId" value="&quot;10032004F0A7CBC5&quot;"/>
+    <we:property name="datasetId" value="&quot;ac92d5d0-bd97-459e-8348-eec92c0da87f&quot;"/>
+    <we:property name="embedUrl" value="&quot;/reportEmbed?reportId=6d86a613-3ed1-412a-8315-523799714fe5&amp;groupId=61dd9f1c-362c-45c3-8aea-4fbd7b52b88b&amp;w=2&amp;config=eyJjbHVzdGVyVXJsIjoiaHR0cHM6Ly9XQUJJLVRBSVdBTi1OT1JUSC1BLVBSSU1BUlktcmVkaXJlY3QuYW5hbHlzaXMud2luZG93cy5uZXQiLCJlbWJlZEZlYXR1cmVzIjp7InVzYWdlTWV0cmljc1ZOZXh0Ijp0cnVlfX0%3D&amp;disableSensitivityBanner=true&amp;storytellingChangeViewModeShortcutKeys=true&quot;"/>
+    <we:property name="initialStateBookmark" value="&quot;H4sIAAAAAAAAA91XT2sbRxT/KmUuaWEJWkmWV7nJqgLGcWys4h6MEE87b1cTVrvL7KwaVRhyKfWlkFMg9NSStoSW0uAW3IC/TeSo36JvZnadyFHrGCeojU47b968P7/3V1PGRZZGMLkLI2S32Nm3Jy+fPfnIZQ6LLWVjZ2dru7W31b/b2u4QOUmVSOKM3ZoyBTJEtS+yHCL9nogHPYdBFO1CqE8BRBk6LEWZJTFE4ku0zHSlZI6HDsP7aZRI0CK7ChRqsWNipzPpdm/WSCP4Soyxi76y1EqlgbUKQIOvr3NsQLPZ5MSWWQZj2VIWLdqobyexAhGTGk1rYoPzNc9rNABwvVmvYb2h6YGIVMEymHTup5K8I58nqUalTbaGiRQ+RMx4ITGzRk9ZO4nykfnqLNC7SS593MPAXMVKqAlJenly2p9///Ps1+P5g69mD49enP4xP/767NHjvlupzo5+c916n3gKWq4Cjx0ScLsyIViNhLMHP82OfjDUYfJFWyLZRt5WDntEyUQcRgXsrxD4zHqRRcJHqYM6uEfoGV9HSEHVHxwUGJdTq0qgvU+4uUaDyJTdEYSSlb0PUa7F3tiATPg3yCL69bRdNoRk873XgmTYM6NiZZCRdXTjrdXQ84OK58KgGVQDt241/m9SYPbn73+dfjd79uSdZ0GIsQ3vG4lgwVn82i9Lt+qw2zIZmWdFayEPSMd1nHaYtZh8ctjnQ5RYJE/MhSoQ3ryA+hXyyx4KS/8FYFJ+nroHywvgxck386fHugJ6PVsD5tmHXFILCJmq8oF7HvK1ulfF2qBWC6pe/dKqavExxD7yN0qqJYUajlAJ30CEgTLUMJQYQhn9zjWqcOPtAbjoe6s/f/rw7Jfnhn47j4tJVdHHPREOjaldn/h5Z2wDu2jRf98NY72e7/qwQy9AJRS42sV+4x46l8dyBbk5e/7jkt74Fra+w9Bc35F/js8Ve74f5RkVIXLrQXsIUi1MABKQSI5yY2Kq81Mhy/2LWvt7S973h5Buv0tbZjHGJ6tqmjYxTVkNqVVEZbvIMCoRP7DL2Dak+uJqGm8WKrSQTNfwJrdhGaUgRVYGqTxtiVgnkHPeYFdYquedc8k8dN3qnXIYOrStKChmK+vmo4+vCJHNmU9YTyeJnU6vnN0+lz19rTOsbMYW6aKnqz9EbvDYVDiyBgmOWpsodoAPM+AOG2tiUQ4Ve1lsHWbxWLbHJrnKUvBxF2JcsoJRZCHmyC9Zw/S/VmZ0UDcVg+iyta3kL4z7GzInvjJuDwAA&quot;"/>
+    <we:property name="isFiltersActionButtonVisible" value="true"/>
+    <we:property name="isVisualContainerHeaderHidden" value="false"/>
+    <we:property name="pageDisplayName" value="&quot;年度總分析 &quot;"/>
+    <we:property name="pageName" value="&quot;006e30aa6d77de6a999d&quot;"/>
+    <we:property name="reportEmbeddedTime" value="&quot;2025-07-29T05:47:45.231Z&quot;"/>
+    <we:property name="reportName" value="&quot;被害者資料_102到114&quot;"/>
+    <we:property name="reportState" value="&quot;CONNECTED&quot;"/>
+    <we:property name="reportUrl" value="&quot;/groups/61dd9f1c-362c-45c3-8aea-4fbd7b52b88b/reports/6d86a613-3ed1-412a-8315-523799714fe5/006e30aa6d77de6a999d?bookmarkGuid=64d87f4a-c3c7-4528-be4d-5b5fed8e6d72&amp;bookmarkUsage=1&amp;ctid=2fcf12a5-b887-4616-bcf9-e322352b0d5d&amp;fromEntryPoint=export&quot;"/>
+  </we:properties>
+  <we:bindings/>
+  <we:snapshot xmlns:r="http://schemas.openxmlformats.org/officeDocument/2006/relationships"/>
+</we:webextension>
 </file>